--- a/Slides -  Vishal Narsinghani.pptx
+++ b/Slides -  Vishal Narsinghani.pptx
@@ -3039,10 +3039,10 @@
                 <a:latin typeface="Verdana"/>
                 <a:cs typeface="Verdana"/>
               </a:rPr>
-              <a:t>Current state </a:t>
-            </a:r>
-            <a:r>
-              <a:rPr lang="en-US" sz="1100" spc="-5">
+              <a:t>Current state p</a:t>
+            </a:r>
+            <a:r>
+              <a:rPr sz="1100" spc="-5" dirty="0">
                 <a:solidFill>
                   <a:schemeClr val="tx1">
                     <a:lumMod val="50000"/>
@@ -3052,10 +3052,10 @@
                 <a:latin typeface="Verdana"/>
                 <a:cs typeface="Verdana"/>
               </a:rPr>
-              <a:t>p</a:t>
-            </a:r>
-            <a:r>
-              <a:rPr sz="1100" spc="-5">
+              <a:t>rocess</a:t>
+            </a:r>
+            <a:r>
+              <a:rPr lang="en-US" sz="1100" spc="-5" dirty="0">
                 <a:solidFill>
                   <a:schemeClr val="tx1">
                     <a:lumMod val="50000"/>
@@ -3065,23 +3065,10 @@
                 <a:latin typeface="Verdana"/>
                 <a:cs typeface="Verdana"/>
               </a:rPr>
-              <a:t>rocess</a:t>
-            </a:r>
-            <a:r>
-              <a:rPr lang="en-US" sz="1100" spc="-5">
-                <a:solidFill>
-                  <a:schemeClr val="tx1">
-                    <a:lumMod val="50000"/>
-                    <a:lumOff val="50000"/>
-                  </a:schemeClr>
-                </a:solidFill>
-                <a:latin typeface="Verdana"/>
-                <a:cs typeface="Verdana"/>
-              </a:rPr>
               <a:t> </a:t>
             </a:r>
             <a:r>
-              <a:rPr sz="1100" spc="-5">
+              <a:rPr sz="1100" spc="-5" dirty="0">
                 <a:solidFill>
                   <a:schemeClr val="tx1">
                     <a:lumMod val="50000"/>
@@ -3127,7 +3114,7 @@
               </a:tabLst>
             </a:pPr>
             <a:r>
-              <a:rPr sz="1100">
+              <a:rPr sz="1100" dirty="0">
                 <a:solidFill>
                   <a:schemeClr val="tx1">
                     <a:lumMod val="50000"/>
@@ -3140,7 +3127,7 @@
               <a:t>Collected </a:t>
             </a:r>
             <a:r>
-              <a:rPr sz="1100" spc="-5">
+              <a:rPr sz="1100" spc="-5" dirty="0">
                 <a:solidFill>
                   <a:schemeClr val="tx1">
                     <a:lumMod val="50000"/>
@@ -3153,7 +3140,7 @@
               <a:t>additional</a:t>
             </a:r>
             <a:r>
-              <a:rPr lang="en-US" sz="1100" spc="-5">
+              <a:rPr lang="en-US" sz="1100" spc="-5" dirty="0">
                 <a:solidFill>
                   <a:schemeClr val="tx1">
                     <a:lumMod val="50000"/>
@@ -3166,7 +3153,7 @@
               <a:t> </a:t>
             </a:r>
             <a:r>
-              <a:rPr sz="1100" spc="-5">
+              <a:rPr sz="1100" spc="-5" dirty="0">
                 <a:solidFill>
                   <a:schemeClr val="tx1">
                     <a:lumMod val="50000"/>
@@ -3179,7 +3166,7 @@
               <a:t>information on processes</a:t>
             </a:r>
             <a:r>
-              <a:rPr lang="en-US" sz="1100" spc="-5">
+              <a:rPr lang="en-US" sz="1100" spc="-5" dirty="0">
                 <a:solidFill>
                   <a:schemeClr val="tx1">
                     <a:lumMod val="50000"/>
@@ -3192,7 +3179,7 @@
               <a:t> </a:t>
             </a:r>
             <a:r>
-              <a:rPr sz="1100">
+              <a:rPr sz="1100" dirty="0">
                 <a:solidFill>
                   <a:schemeClr val="tx1">
                     <a:lumMod val="50000"/>
@@ -3205,7 +3192,7 @@
               <a:t>and </a:t>
             </a:r>
             <a:r>
-              <a:rPr sz="1100" spc="5">
+              <a:rPr sz="1100" spc="5" dirty="0">
                 <a:solidFill>
                   <a:schemeClr val="tx1">
                     <a:lumMod val="50000"/>
@@ -3218,7 +3205,7 @@
               <a:t>collated all</a:t>
             </a:r>
             <a:r>
-              <a:rPr lang="en-US" sz="1100" spc="5">
+              <a:rPr lang="en-US" sz="1100" spc="5" dirty="0">
                 <a:solidFill>
                   <a:schemeClr val="tx1">
                     <a:lumMod val="50000"/>
@@ -3231,7 +3218,7 @@
               <a:t> </a:t>
             </a:r>
             <a:r>
-              <a:rPr sz="1100">
+              <a:rPr sz="1100" dirty="0">
                 <a:solidFill>
                   <a:schemeClr val="tx1">
                     <a:lumMod val="50000"/>
@@ -3257,7 +3244,7 @@
               <a:t>process </a:t>
             </a:r>
             <a:r>
-              <a:rPr sz="1100">
+              <a:rPr sz="1100" dirty="0">
                 <a:solidFill>
                   <a:schemeClr val="tx1">
                     <a:lumMod val="50000"/>
@@ -3270,7 +3257,7 @@
               <a:t>meta data</a:t>
             </a:r>
             <a:r>
-              <a:rPr lang="en-US" sz="1100">
+              <a:rPr lang="en-US" sz="1100" dirty="0">
                 <a:solidFill>
                   <a:schemeClr val="tx1">
                     <a:lumMod val="50000"/>
@@ -3283,7 +3270,7 @@
               <a:t> </a:t>
             </a:r>
             <a:r>
-              <a:rPr sz="1100" spc="10">
+              <a:rPr sz="1100" spc="10" dirty="0">
                 <a:solidFill>
                   <a:schemeClr val="tx1">
                     <a:lumMod val="50000"/>
@@ -3319,10 +3306,10 @@
                 <a:latin typeface="Verdana"/>
                 <a:cs typeface="Verdana"/>
               </a:rPr>
-              <a:t>form </a:t>
-            </a:r>
-            <a:r>
-              <a:rPr sz="1100" spc="-5">
+              <a:t>form of process</a:t>
+            </a:r>
+            <a:r>
+              <a:rPr lang="en-US" sz="1100" spc="-5" dirty="0">
                 <a:solidFill>
                   <a:schemeClr val="tx1">
                     <a:lumMod val="50000"/>
@@ -3332,10 +3319,10 @@
                 <a:latin typeface="Verdana"/>
                 <a:cs typeface="Verdana"/>
               </a:rPr>
-              <a:t>of process</a:t>
-            </a:r>
-            <a:r>
-              <a:rPr lang="en-US" sz="1100" spc="-5">
+              <a:t> </a:t>
+            </a:r>
+            <a:r>
+              <a:rPr sz="1100" spc="-5" dirty="0">
                 <a:solidFill>
                   <a:schemeClr val="tx1">
                     <a:lumMod val="50000"/>
@@ -3345,33 +3332,7 @@
                 <a:latin typeface="Verdana"/>
                 <a:cs typeface="Verdana"/>
               </a:rPr>
-              <a:t> </a:t>
-            </a:r>
-            <a:r>
-              <a:rPr sz="1100" spc="-5">
-                <a:solidFill>
-                  <a:schemeClr val="tx1">
-                    <a:lumMod val="50000"/>
-                    <a:lumOff val="50000"/>
-                  </a:schemeClr>
-                </a:solidFill>
-                <a:latin typeface="Verdana"/>
-                <a:cs typeface="Verdana"/>
-              </a:rPr>
-              <a:t>repository </a:t>
-            </a:r>
-            <a:r>
-              <a:rPr sz="1100" spc="-5" dirty="0">
-                <a:solidFill>
-                  <a:schemeClr val="tx1">
-                    <a:lumMod val="50000"/>
-                    <a:lumOff val="50000"/>
-                  </a:schemeClr>
-                </a:solidFill>
-                <a:latin typeface="Verdana"/>
-                <a:cs typeface="Verdana"/>
-              </a:rPr>
-              <a:t>for</a:t>
+              <a:t>repository for</a:t>
             </a:r>
             <a:r>
               <a:rPr sz="1100" spc="-15" dirty="0">
@@ -11306,8 +11267,8 @@
         </p:blipFill>
         <p:spPr>
           <a:xfrm>
-            <a:off x="3507206" y="1471732"/>
-            <a:ext cx="7900386" cy="3418273"/>
+            <a:off x="3503680" y="1524000"/>
+            <a:ext cx="7900386" cy="3339367"/>
           </a:xfrm>
           <a:prstGeom prst="rect">
             <a:avLst/>
@@ -11328,7 +11289,7 @@
         </p:nvSpPr>
         <p:spPr>
           <a:xfrm>
-            <a:off x="3377952" y="1287066"/>
+            <a:off x="3357572" y="1231766"/>
             <a:ext cx="3480889" cy="369332"/>
           </a:xfrm>
           <a:prstGeom prst="rect">
